--- a/powerpoint/Session1.pptx
+++ b/powerpoint/Session1.pptx
@@ -20168,7 +20168,7 @@
                 <a:latin typeface="Calibri"/>
                 <a:ea typeface="DejaVu Sans"/>
               </a:rPr>
-              <a:t>Bea</a:t>
+              <a:t>Leonardo</a:t>
             </a:r>
             <a:endParaRPr lang="en-GB" sz="3200" b="0" strike="noStrike" spc="-1" dirty="0">
               <a:latin typeface="Arial"/>
@@ -20187,16 +20187,6 @@
               </a:tabLst>
             </a:pPr>
             <a:r>
-              <a:rPr lang="en-US" sz="3200" spc="-1" dirty="0">
-                <a:solidFill>
-                  <a:srgbClr val="8B8B8B"/>
-                </a:solidFill>
-                <a:latin typeface="Calibri"/>
-                <a:ea typeface="DejaVu Sans"/>
-              </a:rPr>
-              <a:t>March</a:t>
-            </a:r>
-            <a:r>
               <a:rPr lang="en-US" sz="3200" b="0" strike="noStrike" spc="-1" dirty="0">
                 <a:solidFill>
                   <a:srgbClr val="8B8B8B"/>
@@ -20204,7 +20194,7 @@
                 <a:latin typeface="Calibri"/>
                 <a:ea typeface="DejaVu Sans"/>
               </a:rPr>
-              <a:t> 2024</a:t>
+              <a:t>March 2024</a:t>
             </a:r>
             <a:endParaRPr lang="en-GB" sz="3200" b="0" strike="noStrike" spc="-1" dirty="0">
               <a:latin typeface="Arial"/>
@@ -30275,7 +30265,7 @@
           <p:cNvPr id="2" name="CustomShape 2">
             <a:extLst>
               <a:ext uri="{FF2B5EF4-FFF2-40B4-BE49-F238E27FC236}">
-                <a16:creationId xmlns:a16="http://schemas.microsoft.com/office/drawing/2014/main" id="{95CD58B5-322F-A84D-83C7-F9B5027796D7}"/>
+                <a16:creationId xmlns:a16="http://schemas.microsoft.com/office/drawing/2014/main" id="{92088393-5685-7862-0DC5-A183EFC42A3E}"/>
               </a:ext>
             </a:extLst>
           </p:cNvPr>
@@ -30342,7 +30332,7 @@
                 <a:latin typeface="Calibri"/>
                 <a:ea typeface="DejaVu Sans"/>
               </a:rPr>
-              <a:t>Bea</a:t>
+              <a:t>Leonardo</a:t>
             </a:r>
             <a:endParaRPr lang="en-GB" sz="3200" b="0" strike="noStrike" spc="-1" dirty="0">
               <a:latin typeface="Arial"/>
@@ -30361,16 +30351,6 @@
               </a:tabLst>
             </a:pPr>
             <a:r>
-              <a:rPr lang="en-US" sz="3200" spc="-1" dirty="0">
-                <a:solidFill>
-                  <a:srgbClr val="8B8B8B"/>
-                </a:solidFill>
-                <a:latin typeface="Calibri"/>
-                <a:ea typeface="DejaVu Sans"/>
-              </a:rPr>
-              <a:t>March</a:t>
-            </a:r>
-            <a:r>
               <a:rPr lang="en-US" sz="3200" b="0" strike="noStrike" spc="-1" dirty="0">
                 <a:solidFill>
                   <a:srgbClr val="8B8B8B"/>
@@ -30378,7 +30358,7 @@
                 <a:latin typeface="Calibri"/>
                 <a:ea typeface="DejaVu Sans"/>
               </a:rPr>
-              <a:t> 2024</a:t>
+              <a:t>March 2024</a:t>
             </a:r>
             <a:endParaRPr lang="en-GB" sz="3200" b="0" strike="noStrike" spc="-1" dirty="0">
               <a:latin typeface="Arial"/>
@@ -45177,9 +45157,19 @@
                 <a:latin typeface="Calibri"/>
                 <a:hlinkClick r:id="rId2"/>
               </a:rPr>
-              <a:t>https://github.com/Chelysheva/MSD_R_course_lateMarch2024</a:t>
+              <a:t>https://github.com/Chelysheva</a:t>
             </a:r>
-            <a:endParaRPr lang="en-US" sz="3600" spc="-1" dirty="0">
+            <a:r>
+              <a:rPr lang="en-US" sz="3600" spc="-1">
+                <a:solidFill>
+                  <a:srgbClr val="000000"/>
+                </a:solidFill>
+                <a:latin typeface="Calibri"/>
+                <a:hlinkClick r:id="rId2"/>
+              </a:rPr>
+              <a:t>/MSD_R_course_March2024</a:t>
+            </a:r>
+            <a:endParaRPr lang="en-US" sz="3600" spc="-1">
               <a:solidFill>
                 <a:srgbClr val="000000"/>
               </a:solidFill>
@@ -45205,6 +45195,16 @@
               <a:buChar char="•"/>
             </a:pPr>
             <a:r>
+              <a:rPr lang="en-US" sz="3600" b="0" strike="noStrike" spc="-1">
+                <a:solidFill>
+                  <a:srgbClr val="000000"/>
+                </a:solidFill>
+                <a:latin typeface="Calibri"/>
+                <a:ea typeface="DejaVu Sans"/>
+              </a:rPr>
+              <a:t>Screen </a:t>
+            </a:r>
+            <a:r>
               <a:rPr lang="en-US" sz="3600" b="0" strike="noStrike" spc="-1" dirty="0">
                 <a:solidFill>
                   <a:srgbClr val="000000"/>
@@ -45212,7 +45212,7 @@
                 <a:latin typeface="Calibri"/>
                 <a:ea typeface="DejaVu Sans"/>
               </a:rPr>
-              <a:t>Screen sharing</a:t>
+              <a:t>sharing</a:t>
             </a:r>
             <a:endParaRPr lang="en-GB" sz="3600" b="0" strike="noStrike" spc="-1" dirty="0">
               <a:latin typeface="Arial"/>
